--- a/Clase 9/clase9.pptx
+++ b/Clase 9/clase9.pptx
@@ -15,7 +15,7 @@
   </p:handoutMasterIdLst>
   <p:sldIdLst>
     <p:sldId id="332" r:id="rId5"/>
-    <p:sldId id="465" r:id="rId6"/>
+    <p:sldId id="489" r:id="rId6"/>
     <p:sldId id="466" r:id="rId7"/>
     <p:sldId id="467" r:id="rId8"/>
     <p:sldId id="468" r:id="rId9"/>
@@ -27171,60 +27171,190 @@
       </p:grpSpPr>
       <p:sp>
         <p:nvSpPr>
-          <p:cNvPr id="2" name="Título 1"/>
+          <p:cNvPr id="4" name="1 Título"/>
           <p:cNvSpPr>
             <a:spLocks noGrp="1"/>
           </p:cNvSpPr>
           <p:nvPr>
-            <p:ph type="title"/>
+            <p:ph type="ctrTitle"/>
           </p:nvPr>
         </p:nvSpPr>
         <p:spPr/>
         <p:txBody>
-          <a:bodyPr/>
+          <a:bodyPr>
+            <a:normAutofit/>
+          </a:bodyPr>
           <a:lstStyle/>
           <a:p>
-            <a:endParaRPr lang="es-CR"/>
+            <a:r>
+              <a:rPr lang="es-ES" dirty="0"/>
+              <a:t>Funciones y </a:t>
+            </a:r>
+            <a:r>
+              <a:rPr lang="es-ES" dirty="0" err="1"/>
+              <a:t>Triggers</a:t>
+            </a:r>
+            <a:r>
+              <a:rPr lang="es-ES" dirty="0"/>
+              <a:t> en SQL SERVER</a:t>
+            </a:r>
           </a:p>
         </p:txBody>
       </p:sp>
       <p:sp>
         <p:nvSpPr>
-          <p:cNvPr id="3" name="Marcador de contenido 2"/>
+          <p:cNvPr id="5" name="2 Subtítulo"/>
           <p:cNvSpPr>
             <a:spLocks noGrp="1"/>
           </p:cNvSpPr>
           <p:nvPr>
-            <p:ph idx="1"/>
+            <p:ph type="subTitle" idx="1"/>
           </p:nvPr>
         </p:nvSpPr>
         <p:spPr/>
         <p:txBody>
-          <a:bodyPr/>
+          <a:bodyPr>
+            <a:normAutofit/>
+          </a:bodyPr>
           <a:lstStyle/>
           <a:p>
-            <a:endParaRPr lang="es-CR"/>
+            <a:pPr lvl="0">
+              <a:spcBef>
+                <a:spcPts val="0"/>
+              </a:spcBef>
+            </a:pPr>
+            <a:r>
+              <a:rPr lang="es-CR" dirty="0"/>
+              <a:t>Universidad Técnica Nacional</a:t>
+            </a:r>
+          </a:p>
+          <a:p>
+            <a:pPr lvl="0">
+              <a:spcBef>
+                <a:spcPts val="0"/>
+              </a:spcBef>
+            </a:pPr>
+            <a:r>
+              <a:rPr lang="es-CR" dirty="0"/>
+              <a:t>Por: Efrén Jiménez Delgado</a:t>
+            </a:r>
+          </a:p>
+          <a:p>
+            <a:pPr lvl="0">
+              <a:spcBef>
+                <a:spcPts val="0"/>
+              </a:spcBef>
+            </a:pPr>
+            <a:r>
+              <a:rPr lang="es-CR" dirty="0"/>
+              <a:t>2018</a:t>
+            </a:r>
           </a:p>
         </p:txBody>
       </p:sp>
       <p:pic>
         <p:nvPicPr>
-          <p:cNvPr id="4" name="Imagen 3"/>
+          <p:cNvPr id="6" name="Imagen 5"/>
+          <p:cNvPicPr>
+            <a:picLocks noChangeAspect="1"/>
+          </p:cNvPicPr>
+          <p:nvPr/>
+        </p:nvPicPr>
+        <p:blipFill rotWithShape="1">
+          <a:blip r:embed="rId2"/>
+          <a:srcRect t="48800" b="37247"/>
+          <a:stretch/>
+        </p:blipFill>
+        <p:spPr>
+          <a:xfrm>
+            <a:off x="1" y="-27644"/>
+            <a:ext cx="9144000" cy="966355"/>
+          </a:xfrm>
+          <a:prstGeom prst="rect">
+            <a:avLst/>
+          </a:prstGeom>
+        </p:spPr>
+      </p:pic>
+      <p:sp>
+        <p:nvSpPr>
+          <p:cNvPr id="7" name="CuadroTexto 6"/>
+          <p:cNvSpPr txBox="1"/>
+          <p:nvPr/>
+        </p:nvSpPr>
+        <p:spPr>
+          <a:xfrm>
+            <a:off x="-1" y="920904"/>
+            <a:ext cx="9144000" cy="107722"/>
+          </a:xfrm>
+          <a:prstGeom prst="rect">
+            <a:avLst/>
+          </a:prstGeom>
+          <a:solidFill>
+            <a:srgbClr val="FF6600"/>
+          </a:solidFill>
+        </p:spPr>
+        <p:txBody>
+          <a:bodyPr wrap="square" rtlCol="0">
+            <a:spAutoFit/>
+          </a:bodyPr>
+          <a:lstStyle/>
+          <a:p>
+            <a:endParaRPr lang="es-CR" sz="100" dirty="0"/>
+          </a:p>
+        </p:txBody>
+      </p:sp>
+      <p:sp>
+        <p:nvSpPr>
+          <p:cNvPr id="8" name="CuadroTexto 7"/>
+          <p:cNvSpPr txBox="1"/>
+          <p:nvPr/>
+        </p:nvSpPr>
+        <p:spPr>
+          <a:xfrm>
+            <a:off x="-3" y="1021288"/>
+            <a:ext cx="9144000" cy="107722"/>
+          </a:xfrm>
+          <a:prstGeom prst="rect">
+            <a:avLst/>
+          </a:prstGeom>
+          <a:solidFill>
+            <a:srgbClr val="65ACDD"/>
+          </a:solidFill>
+        </p:spPr>
+        <p:txBody>
+          <a:bodyPr wrap="square" rtlCol="0">
+            <a:spAutoFit/>
+          </a:bodyPr>
+          <a:lstStyle/>
+          <a:p>
+            <a:endParaRPr lang="es-CR" sz="100" dirty="0"/>
+          </a:p>
+        </p:txBody>
+      </p:sp>
+      <p:pic>
+        <p:nvPicPr>
+          <p:cNvPr id="9" name="Imagen 8"/>
           <p:cNvPicPr>
             <a:picLocks noChangeAspect="1"/>
           </p:cNvPicPr>
           <p:nvPr/>
         </p:nvPicPr>
         <p:blipFill>
-          <a:blip r:embed="rId2"/>
+          <a:blip r:embed="rId3">
+            <a:extLst>
+              <a:ext uri="{28A0092B-C50C-407E-A947-70E740481C1C}">
+                <a14:useLocalDpi xmlns:a14="http://schemas.microsoft.com/office/drawing/2010/main" val="0"/>
+              </a:ext>
+            </a:extLst>
+          </a:blip>
           <a:stretch>
             <a:fillRect/>
           </a:stretch>
         </p:blipFill>
         <p:spPr>
           <a:xfrm>
-            <a:off x="134471" y="0"/>
-            <a:ext cx="8964706" cy="6858000"/>
+            <a:off x="184399" y="54365"/>
+            <a:ext cx="1085789" cy="776624"/>
           </a:xfrm>
           <a:prstGeom prst="rect">
             <a:avLst/>
@@ -27234,7 +27364,7 @@
     </p:spTree>
     <p:extLst>
       <p:ext uri="{BB962C8B-B14F-4D97-AF65-F5344CB8AC3E}">
-        <p14:creationId xmlns:p14="http://schemas.microsoft.com/office/powerpoint/2010/main" val="1199468662"/>
+        <p14:creationId xmlns:p14="http://schemas.microsoft.com/office/powerpoint/2010/main" val="1232748862"/>
       </p:ext>
     </p:extLst>
   </p:cSld>
